--- a/Пз+презентация/презентация .pptx
+++ b/Пз+презентация/презентация .pptx
@@ -1,9 +1,12 @@
 
 <file path=ppt/presentation.xml><?xml version="1.0" encoding="utf-8"?>
-<p:presentation xmlns:a="http://schemas.openxmlformats.org/drawingml/2006/main" xmlns:r="http://schemas.openxmlformats.org/officeDocument/2006/relationships" xmlns:p="http://schemas.openxmlformats.org/presentationml/2006/main" saveSubsetFonts="1">
+<p:presentation xmlns:a="http://schemas.openxmlformats.org/drawingml/2006/main" xmlns:r="http://schemas.openxmlformats.org/officeDocument/2006/relationships" xmlns:p="http://schemas.openxmlformats.org/presentationml/2006/main" showSpecialPlsOnTitleSld="0" saveSubsetFonts="1">
   <p:sldMasterIdLst>
     <p:sldMasterId id="2147483648" r:id="rId1"/>
   </p:sldMasterIdLst>
+  <p:notesMasterIdLst>
+    <p:notesMasterId r:id="rId19"/>
+  </p:notesMasterIdLst>
   <p:sldIdLst>
     <p:sldId id="257" r:id="rId2"/>
     <p:sldId id="262" r:id="rId3"/>
@@ -120,7 +123,361 @@
       </a:defRPr>
     </a:lvl9pPr>
   </p:defaultTextStyle>
+  <p:extLst>
+    <p:ext uri="{EFAFB233-063F-42B5-8137-9DF3F51BA10A}">
+      <p15:sldGuideLst xmlns:p15="http://schemas.microsoft.com/office/powerpoint/2012/main"/>
+    </p:ext>
+  </p:extLst>
 </p:presentation>
+</file>
+
+<file path=ppt/notesMasters/notesMaster1.xml><?xml version="1.0" encoding="utf-8"?>
+<p:notesMaster xmlns:a="http://schemas.openxmlformats.org/drawingml/2006/main" xmlns:r="http://schemas.openxmlformats.org/officeDocument/2006/relationships" xmlns:p="http://schemas.openxmlformats.org/presentationml/2006/main">
+  <p:cSld>
+    <p:bg>
+      <p:bgRef idx="1001">
+        <a:schemeClr val="bg1"/>
+      </p:bgRef>
+    </p:bg>
+    <p:spTree>
+      <p:nvGrpSpPr>
+        <p:cNvPr id="1" name=""/>
+        <p:cNvGrpSpPr/>
+        <p:nvPr/>
+      </p:nvGrpSpPr>
+      <p:grpSpPr>
+        <a:xfrm>
+          <a:off x="0" y="0"/>
+          <a:ext cx="0" cy="0"/>
+          <a:chOff x="0" y="0"/>
+          <a:chExt cx="0" cy="0"/>
+        </a:xfrm>
+      </p:grpSpPr>
+      <p:sp>
+        <p:nvSpPr>
+          <p:cNvPr id="2" name="Верхний колонтитул 1"/>
+          <p:cNvSpPr>
+            <a:spLocks noGrp="1"/>
+          </p:cNvSpPr>
+          <p:nvPr>
+            <p:ph type="hdr" sz="quarter"/>
+          </p:nvPr>
+        </p:nvSpPr>
+        <p:spPr>
+          <a:xfrm>
+            <a:off x="0" y="0"/>
+            <a:ext cx="2971800" cy="458788"/>
+          </a:xfrm>
+          <a:prstGeom prst="rect">
+            <a:avLst/>
+          </a:prstGeom>
+        </p:spPr>
+        <p:txBody>
+          <a:bodyPr vert="horz" lIns="91440" tIns="45720" rIns="91440" bIns="45720" rtlCol="0"/>
+          <a:lstStyle>
+            <a:lvl1pPr algn="l">
+              <a:defRPr sz="1200"/>
+            </a:lvl1pPr>
+          </a:lstStyle>
+          <a:p>
+            <a:endParaRPr lang="ru-RU"/>
+          </a:p>
+        </p:txBody>
+      </p:sp>
+      <p:sp>
+        <p:nvSpPr>
+          <p:cNvPr id="3" name="Дата 2"/>
+          <p:cNvSpPr>
+            <a:spLocks noGrp="1"/>
+          </p:cNvSpPr>
+          <p:nvPr>
+            <p:ph type="dt" idx="1"/>
+          </p:nvPr>
+        </p:nvSpPr>
+        <p:spPr>
+          <a:xfrm>
+            <a:off x="3884613" y="0"/>
+            <a:ext cx="2971800" cy="458788"/>
+          </a:xfrm>
+          <a:prstGeom prst="rect">
+            <a:avLst/>
+          </a:prstGeom>
+        </p:spPr>
+        <p:txBody>
+          <a:bodyPr vert="horz" lIns="91440" tIns="45720" rIns="91440" bIns="45720" rtlCol="0"/>
+          <a:lstStyle>
+            <a:lvl1pPr algn="r">
+              <a:defRPr sz="1200"/>
+            </a:lvl1pPr>
+          </a:lstStyle>
+          <a:p>
+            <a:fld id="{8327E63E-BE63-4396-B00A-37A7E0B5D795}" type="datetimeFigureOut">
+              <a:rPr lang="ru-RU" smtClean="0"/>
+              <a:t>16.12.2024</a:t>
+            </a:fld>
+            <a:endParaRPr lang="ru-RU"/>
+          </a:p>
+        </p:txBody>
+      </p:sp>
+      <p:sp>
+        <p:nvSpPr>
+          <p:cNvPr id="4" name="Образ слайда 3"/>
+          <p:cNvSpPr>
+            <a:spLocks noGrp="1" noRot="1" noChangeAspect="1"/>
+          </p:cNvSpPr>
+          <p:nvPr>
+            <p:ph type="sldImg" idx="2"/>
+          </p:nvPr>
+        </p:nvSpPr>
+        <p:spPr>
+          <a:xfrm>
+            <a:off x="685800" y="1143000"/>
+            <a:ext cx="5486400" cy="3086100"/>
+          </a:xfrm>
+          <a:prstGeom prst="rect">
+            <a:avLst/>
+          </a:prstGeom>
+          <a:noFill/>
+          <a:ln w="12700">
+            <a:solidFill>
+              <a:prstClr val="black"/>
+            </a:solidFill>
+          </a:ln>
+        </p:spPr>
+        <p:txBody>
+          <a:bodyPr vert="horz" lIns="91440" tIns="45720" rIns="91440" bIns="45720" rtlCol="0" anchor="ctr"/>
+          <a:lstStyle/>
+          <a:p>
+            <a:endParaRPr lang="ru-RU"/>
+          </a:p>
+        </p:txBody>
+      </p:sp>
+      <p:sp>
+        <p:nvSpPr>
+          <p:cNvPr id="5" name="Заметки 4"/>
+          <p:cNvSpPr>
+            <a:spLocks noGrp="1"/>
+          </p:cNvSpPr>
+          <p:nvPr>
+            <p:ph type="body" sz="quarter" idx="3"/>
+          </p:nvPr>
+        </p:nvSpPr>
+        <p:spPr>
+          <a:xfrm>
+            <a:off x="685800" y="4400550"/>
+            <a:ext cx="5486400" cy="3600450"/>
+          </a:xfrm>
+          <a:prstGeom prst="rect">
+            <a:avLst/>
+          </a:prstGeom>
+        </p:spPr>
+        <p:txBody>
+          <a:bodyPr vert="horz" lIns="91440" tIns="45720" rIns="91440" bIns="45720" rtlCol="0"/>
+          <a:lstStyle/>
+          <a:p>
+            <a:pPr lvl="0"/>
+            <a:r>
+              <a:rPr lang="ru-RU"/>
+              <a:t>Образец текста</a:t>
+            </a:r>
+          </a:p>
+          <a:p>
+            <a:pPr lvl="1"/>
+            <a:r>
+              <a:rPr lang="ru-RU"/>
+              <a:t>Второй уровень</a:t>
+            </a:r>
+          </a:p>
+          <a:p>
+            <a:pPr lvl="2"/>
+            <a:r>
+              <a:rPr lang="ru-RU"/>
+              <a:t>Третий уровень</a:t>
+            </a:r>
+          </a:p>
+          <a:p>
+            <a:pPr lvl="3"/>
+            <a:r>
+              <a:rPr lang="ru-RU"/>
+              <a:t>Четвертый уровень</a:t>
+            </a:r>
+          </a:p>
+          <a:p>
+            <a:pPr lvl="4"/>
+            <a:r>
+              <a:rPr lang="ru-RU"/>
+              <a:t>Пятый уровень</a:t>
+            </a:r>
+          </a:p>
+        </p:txBody>
+      </p:sp>
+      <p:sp>
+        <p:nvSpPr>
+          <p:cNvPr id="6" name="Нижний колонтитул 5"/>
+          <p:cNvSpPr>
+            <a:spLocks noGrp="1"/>
+          </p:cNvSpPr>
+          <p:nvPr>
+            <p:ph type="ftr" sz="quarter" idx="4"/>
+          </p:nvPr>
+        </p:nvSpPr>
+        <p:spPr>
+          <a:xfrm>
+            <a:off x="0" y="8685213"/>
+            <a:ext cx="2971800" cy="458787"/>
+          </a:xfrm>
+          <a:prstGeom prst="rect">
+            <a:avLst/>
+          </a:prstGeom>
+        </p:spPr>
+        <p:txBody>
+          <a:bodyPr vert="horz" lIns="91440" tIns="45720" rIns="91440" bIns="45720" rtlCol="0" anchor="b"/>
+          <a:lstStyle>
+            <a:lvl1pPr algn="l">
+              <a:defRPr sz="1200"/>
+            </a:lvl1pPr>
+          </a:lstStyle>
+          <a:p>
+            <a:endParaRPr lang="ru-RU"/>
+          </a:p>
+        </p:txBody>
+      </p:sp>
+      <p:sp>
+        <p:nvSpPr>
+          <p:cNvPr id="7" name="Номер слайда 6"/>
+          <p:cNvSpPr>
+            <a:spLocks noGrp="1"/>
+          </p:cNvSpPr>
+          <p:nvPr>
+            <p:ph type="sldNum" sz="quarter" idx="5"/>
+          </p:nvPr>
+        </p:nvSpPr>
+        <p:spPr>
+          <a:xfrm>
+            <a:off x="3884613" y="8685213"/>
+            <a:ext cx="2971800" cy="458787"/>
+          </a:xfrm>
+          <a:prstGeom prst="rect">
+            <a:avLst/>
+          </a:prstGeom>
+        </p:spPr>
+        <p:txBody>
+          <a:bodyPr vert="horz" lIns="91440" tIns="45720" rIns="91440" bIns="45720" rtlCol="0" anchor="b"/>
+          <a:lstStyle>
+            <a:lvl1pPr algn="r">
+              <a:defRPr sz="1200"/>
+            </a:lvl1pPr>
+          </a:lstStyle>
+          <a:p>
+            <a:fld id="{9368CE76-8D29-4A7F-BA5F-077E6BF7103F}" type="slidenum">
+              <a:rPr lang="ru-RU" smtClean="0"/>
+              <a:t>‹#›</a:t>
+            </a:fld>
+            <a:endParaRPr lang="ru-RU"/>
+          </a:p>
+        </p:txBody>
+      </p:sp>
+    </p:spTree>
+    <p:extLst>
+      <p:ext uri="{BB962C8B-B14F-4D97-AF65-F5344CB8AC3E}">
+        <p14:creationId xmlns:p14="http://schemas.microsoft.com/office/powerpoint/2010/main" val="3277154369"/>
+      </p:ext>
+    </p:extLst>
+  </p:cSld>
+  <p:clrMap bg1="lt1" tx1="dk1" bg2="lt2" tx2="dk2" accent1="accent1" accent2="accent2" accent3="accent3" accent4="accent4" accent5="accent5" accent6="accent6" hlink="hlink" folHlink="folHlink"/>
+  <p:notesStyle>
+    <a:lvl1pPr marL="0" algn="l" defTabSz="914400" rtl="0" eaLnBrk="1" latinLnBrk="0" hangingPunct="1">
+      <a:defRPr sz="1200" kern="1200">
+        <a:solidFill>
+          <a:schemeClr val="tx1"/>
+        </a:solidFill>
+        <a:latin typeface="+mn-lt"/>
+        <a:ea typeface="+mn-ea"/>
+        <a:cs typeface="+mn-cs"/>
+      </a:defRPr>
+    </a:lvl1pPr>
+    <a:lvl2pPr marL="457200" algn="l" defTabSz="914400" rtl="0" eaLnBrk="1" latinLnBrk="0" hangingPunct="1">
+      <a:defRPr sz="1200" kern="1200">
+        <a:solidFill>
+          <a:schemeClr val="tx1"/>
+        </a:solidFill>
+        <a:latin typeface="+mn-lt"/>
+        <a:ea typeface="+mn-ea"/>
+        <a:cs typeface="+mn-cs"/>
+      </a:defRPr>
+    </a:lvl2pPr>
+    <a:lvl3pPr marL="914400" algn="l" defTabSz="914400" rtl="0" eaLnBrk="1" latinLnBrk="0" hangingPunct="1">
+      <a:defRPr sz="1200" kern="1200">
+        <a:solidFill>
+          <a:schemeClr val="tx1"/>
+        </a:solidFill>
+        <a:latin typeface="+mn-lt"/>
+        <a:ea typeface="+mn-ea"/>
+        <a:cs typeface="+mn-cs"/>
+      </a:defRPr>
+    </a:lvl3pPr>
+    <a:lvl4pPr marL="1371600" algn="l" defTabSz="914400" rtl="0" eaLnBrk="1" latinLnBrk="0" hangingPunct="1">
+      <a:defRPr sz="1200" kern="1200">
+        <a:solidFill>
+          <a:schemeClr val="tx1"/>
+        </a:solidFill>
+        <a:latin typeface="+mn-lt"/>
+        <a:ea typeface="+mn-ea"/>
+        <a:cs typeface="+mn-cs"/>
+      </a:defRPr>
+    </a:lvl4pPr>
+    <a:lvl5pPr marL="1828800" algn="l" defTabSz="914400" rtl="0" eaLnBrk="1" latinLnBrk="0" hangingPunct="1">
+      <a:defRPr sz="1200" kern="1200">
+        <a:solidFill>
+          <a:schemeClr val="tx1"/>
+        </a:solidFill>
+        <a:latin typeface="+mn-lt"/>
+        <a:ea typeface="+mn-ea"/>
+        <a:cs typeface="+mn-cs"/>
+      </a:defRPr>
+    </a:lvl5pPr>
+    <a:lvl6pPr marL="2286000" algn="l" defTabSz="914400" rtl="0" eaLnBrk="1" latinLnBrk="0" hangingPunct="1">
+      <a:defRPr sz="1200" kern="1200">
+        <a:solidFill>
+          <a:schemeClr val="tx1"/>
+        </a:solidFill>
+        <a:latin typeface="+mn-lt"/>
+        <a:ea typeface="+mn-ea"/>
+        <a:cs typeface="+mn-cs"/>
+      </a:defRPr>
+    </a:lvl6pPr>
+    <a:lvl7pPr marL="2743200" algn="l" defTabSz="914400" rtl="0" eaLnBrk="1" latinLnBrk="0" hangingPunct="1">
+      <a:defRPr sz="1200" kern="1200">
+        <a:solidFill>
+          <a:schemeClr val="tx1"/>
+        </a:solidFill>
+        <a:latin typeface="+mn-lt"/>
+        <a:ea typeface="+mn-ea"/>
+        <a:cs typeface="+mn-cs"/>
+      </a:defRPr>
+    </a:lvl7pPr>
+    <a:lvl8pPr marL="3200400" algn="l" defTabSz="914400" rtl="0" eaLnBrk="1" latinLnBrk="0" hangingPunct="1">
+      <a:defRPr sz="1200" kern="1200">
+        <a:solidFill>
+          <a:schemeClr val="tx1"/>
+        </a:solidFill>
+        <a:latin typeface="+mn-lt"/>
+        <a:ea typeface="+mn-ea"/>
+        <a:cs typeface="+mn-cs"/>
+      </a:defRPr>
+    </a:lvl8pPr>
+    <a:lvl9pPr marL="3657600" algn="l" defTabSz="914400" rtl="0" eaLnBrk="1" latinLnBrk="0" hangingPunct="1">
+      <a:defRPr sz="1200" kern="1200">
+        <a:solidFill>
+          <a:schemeClr val="tx1"/>
+        </a:solidFill>
+        <a:latin typeface="+mn-lt"/>
+        <a:ea typeface="+mn-ea"/>
+        <a:cs typeface="+mn-cs"/>
+      </a:defRPr>
+    </a:lvl9pPr>
+  </p:notesStyle>
+</p:notesMaster>
 </file>
 
 <file path=ppt/slideLayouts/slideLayout1.xml><?xml version="1.0" encoding="utf-8"?>
@@ -268,9 +625,9 @@
           <a:bodyPr/>
           <a:lstStyle/>
           <a:p>
-            <a:fld id="{5A08D7F4-677D-4855-9CF8-6C69DC62CFBD}" type="datetimeFigureOut">
+            <a:fld id="{D88CEB74-01C3-44FC-AD24-61F3BE149C15}" type="datetime1">
               <a:rPr lang="ru-RU" smtClean="0"/>
-              <a:t>14.12.2024</a:t>
+              <a:t>16.12.2024</a:t>
             </a:fld>
             <a:endParaRPr lang="ru-RU"/>
           </a:p>
@@ -466,9 +823,9 @@
           <a:bodyPr/>
           <a:lstStyle/>
           <a:p>
-            <a:fld id="{5A08D7F4-677D-4855-9CF8-6C69DC62CFBD}" type="datetimeFigureOut">
+            <a:fld id="{1D2BEBDF-A790-4534-A604-BBA2B57063EE}" type="datetime1">
               <a:rPr lang="ru-RU" smtClean="0"/>
-              <a:t>14.12.2024</a:t>
+              <a:t>16.12.2024</a:t>
             </a:fld>
             <a:endParaRPr lang="ru-RU"/>
           </a:p>
@@ -674,9 +1031,9 @@
           <a:bodyPr/>
           <a:lstStyle/>
           <a:p>
-            <a:fld id="{5A08D7F4-677D-4855-9CF8-6C69DC62CFBD}" type="datetimeFigureOut">
+            <a:fld id="{830B2A51-890A-4447-9854-D75C82FAFD44}" type="datetime1">
               <a:rPr lang="ru-RU" smtClean="0"/>
-              <a:t>14.12.2024</a:t>
+              <a:t>16.12.2024</a:t>
             </a:fld>
             <a:endParaRPr lang="ru-RU"/>
           </a:p>
@@ -872,9 +1229,9 @@
           <a:bodyPr/>
           <a:lstStyle/>
           <a:p>
-            <a:fld id="{5A08D7F4-677D-4855-9CF8-6C69DC62CFBD}" type="datetimeFigureOut">
+            <a:fld id="{06E28BD0-E5DA-43EC-8C68-67A961611AE8}" type="datetime1">
               <a:rPr lang="ru-RU" smtClean="0"/>
-              <a:t>14.12.2024</a:t>
+              <a:t>16.12.2024</a:t>
             </a:fld>
             <a:endParaRPr lang="ru-RU"/>
           </a:p>
@@ -901,7 +1258,14 @@
           <a:bodyPr/>
           <a:lstStyle/>
           <a:p>
-            <a:endParaRPr lang="ru-RU"/>
+            <a:r>
+              <a:rPr lang="en-US" dirty="0"/>
+              <a:t>/</a:t>
+            </a:r>
+            <a:r>
+              <a:rPr lang="ru-RU" dirty="0"/>
+              <a:t>Кол-во слайдов</a:t>
+            </a:r>
           </a:p>
         </p:txBody>
       </p:sp>
@@ -921,7 +1285,12 @@
             <p:ph type="sldNum" sz="quarter" idx="12"/>
           </p:nvPr>
         </p:nvSpPr>
-        <p:spPr/>
+        <p:spPr>
+          <a:xfrm>
+            <a:off x="8607039" y="6356350"/>
+            <a:ext cx="2743200" cy="365125"/>
+          </a:xfrm>
+        </p:spPr>
         <p:txBody>
           <a:bodyPr/>
           <a:lstStyle/>
@@ -930,7 +1299,7 @@
               <a:rPr lang="ru-RU" smtClean="0"/>
               <a:t>‹#›</a:t>
             </a:fld>
-            <a:endParaRPr lang="ru-RU"/>
+            <a:endParaRPr lang="ru-RU" dirty="0"/>
           </a:p>
         </p:txBody>
       </p:sp>
@@ -1120,7 +1489,7 @@
           <a:p>
             <a:pPr lvl="0"/>
             <a:r>
-              <a:rPr lang="ru-RU"/>
+              <a:rPr lang="ru-RU" dirty="0"/>
               <a:t>Образец текста</a:t>
             </a:r>
           </a:p>
@@ -1147,9 +1516,9 @@
           <a:bodyPr/>
           <a:lstStyle/>
           <a:p>
-            <a:fld id="{5A08D7F4-677D-4855-9CF8-6C69DC62CFBD}" type="datetimeFigureOut">
+            <a:fld id="{D2DB1399-6B39-4EC3-94C0-195F3080FCC6}" type="datetime1">
               <a:rPr lang="ru-RU" smtClean="0"/>
-              <a:t>14.12.2024</a:t>
+              <a:t>16.12.2024</a:t>
             </a:fld>
             <a:endParaRPr lang="ru-RU"/>
           </a:p>
@@ -1171,12 +1540,24 @@
             <p:ph type="ftr" sz="quarter" idx="11"/>
           </p:nvPr>
         </p:nvSpPr>
-        <p:spPr/>
-        <p:txBody>
-          <a:bodyPr/>
-          <a:lstStyle/>
-          <a:p>
-            <a:endParaRPr lang="ru-RU"/>
+        <p:spPr>
+          <a:xfrm>
+            <a:off x="9789920" y="6356350"/>
+            <a:ext cx="4114800" cy="365125"/>
+          </a:xfrm>
+        </p:spPr>
+        <p:txBody>
+          <a:bodyPr/>
+          <a:lstStyle/>
+          <a:p>
+            <a:r>
+              <a:rPr lang="en-US" dirty="0"/>
+              <a:t>/</a:t>
+            </a:r>
+            <a:r>
+              <a:rPr lang="ru-RU" dirty="0"/>
+              <a:t>Кол-во слайдов</a:t>
+            </a:r>
           </a:p>
         </p:txBody>
       </p:sp>
@@ -1412,9 +1793,9 @@
           <a:bodyPr/>
           <a:lstStyle/>
           <a:p>
-            <a:fld id="{5A08D7F4-677D-4855-9CF8-6C69DC62CFBD}" type="datetimeFigureOut">
+            <a:fld id="{25161069-73F2-4251-8FFF-65DAC921A737}" type="datetime1">
               <a:rPr lang="ru-RU" smtClean="0"/>
-              <a:t>14.12.2024</a:t>
+              <a:t>16.12.2024</a:t>
             </a:fld>
             <a:endParaRPr lang="ru-RU"/>
           </a:p>
@@ -1824,9 +2205,9 @@
           <a:bodyPr/>
           <a:lstStyle/>
           <a:p>
-            <a:fld id="{5A08D7F4-677D-4855-9CF8-6C69DC62CFBD}" type="datetimeFigureOut">
+            <a:fld id="{5CB024B0-C0DD-4FCD-932E-32069C9DE4C1}" type="datetime1">
               <a:rPr lang="ru-RU" smtClean="0"/>
-              <a:t>14.12.2024</a:t>
+              <a:t>16.12.2024</a:t>
             </a:fld>
             <a:endParaRPr lang="ru-RU"/>
           </a:p>
@@ -1965,9 +2346,9 @@
           <a:bodyPr/>
           <a:lstStyle/>
           <a:p>
-            <a:fld id="{5A08D7F4-677D-4855-9CF8-6C69DC62CFBD}" type="datetimeFigureOut">
+            <a:fld id="{28896266-0E44-4501-9219-C0CBDC53BB2F}" type="datetime1">
               <a:rPr lang="ru-RU" smtClean="0"/>
-              <a:t>14.12.2024</a:t>
+              <a:t>16.12.2024</a:t>
             </a:fld>
             <a:endParaRPr lang="ru-RU"/>
           </a:p>
@@ -2078,9 +2459,9 @@
           <a:bodyPr/>
           <a:lstStyle/>
           <a:p>
-            <a:fld id="{5A08D7F4-677D-4855-9CF8-6C69DC62CFBD}" type="datetimeFigureOut">
+            <a:fld id="{9392774D-0998-4967-99D4-3718106AB008}" type="datetime1">
               <a:rPr lang="ru-RU" smtClean="0"/>
-              <a:t>14.12.2024</a:t>
+              <a:t>16.12.2024</a:t>
             </a:fld>
             <a:endParaRPr lang="ru-RU"/>
           </a:p>
@@ -2389,9 +2770,9 @@
           <a:bodyPr/>
           <a:lstStyle/>
           <a:p>
-            <a:fld id="{5A08D7F4-677D-4855-9CF8-6C69DC62CFBD}" type="datetimeFigureOut">
+            <a:fld id="{794C8AD6-8EF9-404B-8F3D-094CE6D00C2E}" type="datetime1">
               <a:rPr lang="ru-RU" smtClean="0"/>
-              <a:t>14.12.2024</a:t>
+              <a:t>16.12.2024</a:t>
             </a:fld>
             <a:endParaRPr lang="ru-RU"/>
           </a:p>
@@ -2677,9 +3058,9 @@
           <a:bodyPr/>
           <a:lstStyle/>
           <a:p>
-            <a:fld id="{5A08D7F4-677D-4855-9CF8-6C69DC62CFBD}" type="datetimeFigureOut">
+            <a:fld id="{B131A912-1EC4-4635-A0DA-66124E9337D9}" type="datetime1">
               <a:rPr lang="ru-RU" smtClean="0"/>
-              <a:t>14.12.2024</a:t>
+              <a:t>16.12.2024</a:t>
             </a:fld>
             <a:endParaRPr lang="ru-RU"/>
           </a:p>
@@ -2918,9 +3299,9 @@
             </a:lvl1pPr>
           </a:lstStyle>
           <a:p>
-            <a:fld id="{5A08D7F4-677D-4855-9CF8-6C69DC62CFBD}" type="datetimeFigureOut">
+            <a:fld id="{2BA8AF2F-5D70-4F8D-A968-7DF29E52300E}" type="datetime1">
               <a:rPr lang="ru-RU" smtClean="0"/>
-              <a:t>14.12.2024</a:t>
+              <a:t>16.12.2024</a:t>
             </a:fld>
             <a:endParaRPr lang="ru-RU"/>
           </a:p>
@@ -3037,6 +3418,7 @@
     <p:sldLayoutId id="2147483658" r:id="rId10"/>
     <p:sldLayoutId id="2147483659" r:id="rId11"/>
   </p:sldLayoutIdLst>
+  <p:hf hdr="0" ftr="0" dt="0"/>
   <p:txStyles>
     <p:titleStyle>
       <a:lvl1pPr algn="l" defTabSz="914400" rtl="0" eaLnBrk="1" latinLnBrk="0" hangingPunct="1">
@@ -3631,22 +4013,29 @@
         </p:nvSpPr>
         <p:spPr>
           <a:xfrm>
-            <a:off x="839788" y="776834"/>
-            <a:ext cx="3932237" cy="1280565"/>
-          </a:xfrm>
-        </p:spPr>
-        <p:txBody>
-          <a:bodyPr/>
-          <a:lstStyle/>
-          <a:p>
-            <a:r>
-              <a:rPr lang="en-US" dirty="0"/>
+            <a:off x="661764" y="679730"/>
+            <a:ext cx="4110261" cy="1377669"/>
+          </a:xfrm>
+        </p:spPr>
+        <p:txBody>
+          <a:bodyPr>
+            <a:normAutofit/>
+          </a:bodyPr>
+          <a:lstStyle/>
+          <a:p>
+            <a:r>
+              <a:rPr lang="en-US" sz="3600" dirty="0"/>
               <a:t>SQL-</a:t>
             </a:r>
             <a:r>
-              <a:rPr lang="ru-RU" dirty="0"/>
+              <a:rPr lang="ru-RU" sz="3600" dirty="0"/>
               <a:t>запрос для вставки данных</a:t>
             </a:r>
+            <a:r>
+              <a:rPr lang="en-US" sz="3600" dirty="0"/>
+              <a:t>:</a:t>
+            </a:r>
+            <a:endParaRPr lang="ru-RU" sz="3600" dirty="0"/>
           </a:p>
         </p:txBody>
       </p:sp>
@@ -3669,7 +4058,7 @@
         <p:spPr>
           <a:xfrm>
             <a:off x="5183188" y="1157161"/>
-            <a:ext cx="6172200" cy="3528127"/>
+            <a:ext cx="6258950" cy="3528127"/>
           </a:xfrm>
         </p:spPr>
         <p:txBody>
@@ -3691,7 +4080,15 @@
             </a:r>
             <a:r>
               <a:rPr lang="ru-RU" dirty="0"/>
-              <a:t> запрос для обновления </a:t>
+              <a:t> запрос для обновления</a:t>
+            </a:r>
+            <a:r>
+              <a:rPr lang="en-US" dirty="0"/>
+              <a:t>:</a:t>
+            </a:r>
+            <a:r>
+              <a:rPr lang="ru-RU" dirty="0"/>
+              <a:t> </a:t>
             </a:r>
             <a:r>
               <a:rPr lang="en-US" dirty="0"/>
@@ -3889,6 +4286,39 @@
               <a:rPr lang="ru-RU" dirty="0"/>
               <a:t>"DELETE FROM Сотрудники WHERE [ID Работника] = @employeeId";</a:t>
             </a:r>
+          </a:p>
+        </p:txBody>
+      </p:sp>
+      <p:sp>
+        <p:nvSpPr>
+          <p:cNvPr id="2" name="Номер слайда 1">
+            <a:extLst>
+              <a:ext uri="{FF2B5EF4-FFF2-40B4-BE49-F238E27FC236}">
+                <a16:creationId xmlns:a16="http://schemas.microsoft.com/office/drawing/2014/main" id="{3727D39C-F2BF-B44A-A45C-30433EAA5257}"/>
+              </a:ext>
+            </a:extLst>
+          </p:cNvPr>
+          <p:cNvSpPr>
+            <a:spLocks noGrp="1"/>
+          </p:cNvSpPr>
+          <p:nvPr>
+            <p:ph type="sldNum" sz="quarter" idx="12"/>
+          </p:nvPr>
+        </p:nvSpPr>
+        <p:spPr/>
+        <p:txBody>
+          <a:bodyPr/>
+          <a:lstStyle/>
+          <a:p>
+            <a:fld id="{79EE2C7C-8628-4E3E-A850-CDF68DCCEEEA}" type="slidenum">
+              <a:rPr lang="ru-RU" smtClean="0"/>
+              <a:t>10</a:t>
+            </a:fld>
+            <a:r>
+              <a:rPr lang="en-US" dirty="0"/>
+              <a:t>/17</a:t>
+            </a:r>
+            <a:endParaRPr lang="ru-RU" dirty="0"/>
           </a:p>
         </p:txBody>
       </p:sp>
@@ -3973,7 +4403,7 @@
         </p:nvSpPr>
         <p:spPr>
           <a:xfrm>
-            <a:off x="165428" y="1521303"/>
+            <a:off x="176588" y="1165253"/>
             <a:ext cx="3515315" cy="4655660"/>
           </a:xfrm>
         </p:spPr>
@@ -4009,8 +4439,8 @@
         </p:nvSpPr>
         <p:spPr>
           <a:xfrm>
-            <a:off x="7169542" y="1521303"/>
-            <a:ext cx="4184257" cy="4655660"/>
+            <a:off x="7169542" y="1221897"/>
+            <a:ext cx="4184257" cy="4955066"/>
           </a:xfrm>
         </p:spPr>
         <p:txBody>
@@ -4055,8 +4485,8 @@
         </p:blipFill>
         <p:spPr>
           <a:xfrm>
-            <a:off x="3802124" y="1521303"/>
-            <a:ext cx="2953162" cy="4505954"/>
+            <a:off x="3801042" y="1651956"/>
+            <a:ext cx="3118338" cy="4505954"/>
           </a:xfrm>
           <a:prstGeom prst="rect">
             <a:avLst/>
@@ -4085,8 +4515,8 @@
         </p:blipFill>
         <p:spPr>
           <a:xfrm>
-            <a:off x="7169542" y="1990640"/>
-            <a:ext cx="4433337" cy="2706786"/>
+            <a:off x="7195173" y="1755972"/>
+            <a:ext cx="4685290" cy="4420991"/>
           </a:xfrm>
           <a:prstGeom prst="rect">
             <a:avLst/>
@@ -4115,14 +4545,47 @@
         </p:blipFill>
         <p:spPr>
           <a:xfrm>
-            <a:off x="286919" y="2063278"/>
-            <a:ext cx="2400635" cy="4544059"/>
+            <a:off x="173811" y="1632904"/>
+            <a:ext cx="3377070" cy="4544059"/>
           </a:xfrm>
           <a:prstGeom prst="rect">
             <a:avLst/>
           </a:prstGeom>
         </p:spPr>
       </p:pic>
+      <p:sp>
+        <p:nvSpPr>
+          <p:cNvPr id="5" name="Номер слайда 4">
+            <a:extLst>
+              <a:ext uri="{FF2B5EF4-FFF2-40B4-BE49-F238E27FC236}">
+                <a16:creationId xmlns:a16="http://schemas.microsoft.com/office/drawing/2014/main" id="{37A9466C-C7AC-E3C3-5DA6-D7C04C1324A2}"/>
+              </a:ext>
+            </a:extLst>
+          </p:cNvPr>
+          <p:cNvSpPr>
+            <a:spLocks noGrp="1"/>
+          </p:cNvSpPr>
+          <p:nvPr>
+            <p:ph type="sldNum" sz="quarter" idx="12"/>
+          </p:nvPr>
+        </p:nvSpPr>
+        <p:spPr/>
+        <p:txBody>
+          <a:bodyPr/>
+          <a:lstStyle/>
+          <a:p>
+            <a:fld id="{79EE2C7C-8628-4E3E-A850-CDF68DCCEEEA}" type="slidenum">
+              <a:rPr lang="ru-RU" smtClean="0"/>
+              <a:t>11</a:t>
+            </a:fld>
+            <a:r>
+              <a:rPr lang="en-US" dirty="0"/>
+              <a:t>/17</a:t>
+            </a:r>
+            <a:endParaRPr lang="ru-RU" dirty="0"/>
+          </a:p>
+        </p:txBody>
+      </p:sp>
     </p:spTree>
     <p:extLst>
       <p:ext uri="{BB962C8B-B14F-4D97-AF65-F5344CB8AC3E}">
@@ -4293,8 +4756,8 @@
         </p:blipFill>
         <p:spPr>
           <a:xfrm>
-            <a:off x="838200" y="2019873"/>
-            <a:ext cx="5271884" cy="3191398"/>
+            <a:off x="582627" y="2019872"/>
+            <a:ext cx="5527457" cy="4340467"/>
           </a:xfrm>
           <a:prstGeom prst="rect">
             <a:avLst/>
@@ -4324,7 +4787,7 @@
         <p:spPr>
           <a:xfrm>
             <a:off x="6262484" y="2203592"/>
-            <a:ext cx="4677428" cy="1981477"/>
+            <a:ext cx="4912616" cy="1981477"/>
           </a:xfrm>
           <a:prstGeom prst="rect">
             <a:avLst/>
@@ -4353,14 +4816,52 @@
         </p:blipFill>
         <p:spPr>
           <a:xfrm>
-            <a:off x="6307842" y="4256411"/>
-            <a:ext cx="4586712" cy="2423786"/>
+            <a:off x="6307841" y="4256411"/>
+            <a:ext cx="4867259" cy="2103928"/>
           </a:xfrm>
           <a:prstGeom prst="rect">
             <a:avLst/>
           </a:prstGeom>
         </p:spPr>
       </p:pic>
+      <p:sp>
+        <p:nvSpPr>
+          <p:cNvPr id="5" name="Номер слайда 4">
+            <a:extLst>
+              <a:ext uri="{FF2B5EF4-FFF2-40B4-BE49-F238E27FC236}">
+                <a16:creationId xmlns:a16="http://schemas.microsoft.com/office/drawing/2014/main" id="{20FA6154-3A70-A0EE-9CD2-046036933170}"/>
+              </a:ext>
+            </a:extLst>
+          </p:cNvPr>
+          <p:cNvSpPr>
+            <a:spLocks noGrp="1"/>
+          </p:cNvSpPr>
+          <p:nvPr>
+            <p:ph type="sldNum" sz="quarter" idx="12"/>
+          </p:nvPr>
+        </p:nvSpPr>
+        <p:spPr>
+          <a:xfrm>
+            <a:off x="8840223" y="6423050"/>
+            <a:ext cx="2743200" cy="365125"/>
+          </a:xfrm>
+        </p:spPr>
+        <p:txBody>
+          <a:bodyPr/>
+          <a:lstStyle/>
+          <a:p>
+            <a:fld id="{79EE2C7C-8628-4E3E-A850-CDF68DCCEEEA}" type="slidenum">
+              <a:rPr lang="ru-RU" smtClean="0"/>
+              <a:t>12</a:t>
+            </a:fld>
+            <a:r>
+              <a:rPr lang="en-US" dirty="0"/>
+              <a:t>/17</a:t>
+            </a:r>
+            <a:endParaRPr lang="ru-RU" dirty="0"/>
+          </a:p>
+        </p:txBody>
+      </p:sp>
     </p:spTree>
     <p:extLst>
       <p:ext uri="{BB962C8B-B14F-4D97-AF65-F5344CB8AC3E}">
@@ -4446,7 +4947,7 @@
         <p:spPr>
           <a:xfrm>
             <a:off x="6077253" y="1197622"/>
-            <a:ext cx="5276547" cy="4979341"/>
+            <a:ext cx="5793763" cy="4979341"/>
           </a:xfrm>
         </p:spPr>
         <p:txBody>
@@ -4491,8 +4992,8 @@
         </p:blipFill>
         <p:spPr>
           <a:xfrm>
-            <a:off x="498201" y="2030118"/>
-            <a:ext cx="5239053" cy="3719645"/>
+            <a:off x="498201" y="2105686"/>
+            <a:ext cx="5239053" cy="4071277"/>
           </a:xfrm>
           <a:prstGeom prst="rect">
             <a:avLst/>
@@ -4521,14 +5022,47 @@
         </p:blipFill>
         <p:spPr>
           <a:xfrm>
-            <a:off x="6019800" y="2210016"/>
-            <a:ext cx="5986857" cy="3719645"/>
+            <a:off x="6019800" y="2375277"/>
+            <a:ext cx="5673999" cy="3891379"/>
           </a:xfrm>
           <a:prstGeom prst="rect">
             <a:avLst/>
           </a:prstGeom>
         </p:spPr>
       </p:pic>
+      <p:sp>
+        <p:nvSpPr>
+          <p:cNvPr id="2" name="Номер слайда 1">
+            <a:extLst>
+              <a:ext uri="{FF2B5EF4-FFF2-40B4-BE49-F238E27FC236}">
+                <a16:creationId xmlns:a16="http://schemas.microsoft.com/office/drawing/2014/main" id="{9390A332-B855-F6D3-A77D-D05E96E110C8}"/>
+              </a:ext>
+            </a:extLst>
+          </p:cNvPr>
+          <p:cNvSpPr>
+            <a:spLocks noGrp="1"/>
+          </p:cNvSpPr>
+          <p:nvPr>
+            <p:ph type="sldNum" sz="quarter" idx="12"/>
+          </p:nvPr>
+        </p:nvSpPr>
+        <p:spPr/>
+        <p:txBody>
+          <a:bodyPr/>
+          <a:lstStyle/>
+          <a:p>
+            <a:fld id="{79EE2C7C-8628-4E3E-A850-CDF68DCCEEEA}" type="slidenum">
+              <a:rPr lang="ru-RU" smtClean="0"/>
+              <a:t>13</a:t>
+            </a:fld>
+            <a:r>
+              <a:rPr lang="en-US" dirty="0"/>
+              <a:t>/17</a:t>
+            </a:r>
+            <a:endParaRPr lang="ru-RU" dirty="0"/>
+          </a:p>
+        </p:txBody>
+      </p:sp>
     </p:spTree>
     <p:extLst>
       <p:ext uri="{BB962C8B-B14F-4D97-AF65-F5344CB8AC3E}">
@@ -4612,11 +5146,44 @@
         </p:blipFill>
         <p:spPr>
           <a:xfrm>
-            <a:off x="2069200" y="1690688"/>
-            <a:ext cx="7531999" cy="4351338"/>
+            <a:off x="1675052" y="1690687"/>
+            <a:ext cx="8804134" cy="4459259"/>
           </a:xfrm>
         </p:spPr>
       </p:pic>
+      <p:sp>
+        <p:nvSpPr>
+          <p:cNvPr id="3" name="Номер слайда 2">
+            <a:extLst>
+              <a:ext uri="{FF2B5EF4-FFF2-40B4-BE49-F238E27FC236}">
+                <a16:creationId xmlns:a16="http://schemas.microsoft.com/office/drawing/2014/main" id="{06F2B50B-7D11-84B1-8A95-54B730B6FB03}"/>
+              </a:ext>
+            </a:extLst>
+          </p:cNvPr>
+          <p:cNvSpPr>
+            <a:spLocks noGrp="1"/>
+          </p:cNvSpPr>
+          <p:nvPr>
+            <p:ph type="sldNum" sz="quarter" idx="12"/>
+          </p:nvPr>
+        </p:nvSpPr>
+        <p:spPr/>
+        <p:txBody>
+          <a:bodyPr/>
+          <a:lstStyle/>
+          <a:p>
+            <a:fld id="{79EE2C7C-8628-4E3E-A850-CDF68DCCEEEA}" type="slidenum">
+              <a:rPr lang="ru-RU" smtClean="0"/>
+              <a:t>14</a:t>
+            </a:fld>
+            <a:r>
+              <a:rPr lang="en-US" dirty="0"/>
+              <a:t>/17</a:t>
+            </a:r>
+            <a:endParaRPr lang="ru-RU" dirty="0"/>
+          </a:p>
+        </p:txBody>
+      </p:sp>
     </p:spTree>
     <p:extLst>
       <p:ext uri="{BB962C8B-B14F-4D97-AF65-F5344CB8AC3E}">
@@ -4705,9 +5272,72 @@
         </p:blipFill>
         <p:spPr>
           <a:xfrm>
-            <a:off x="2234208" y="1216920"/>
-            <a:ext cx="7173326" cy="3686689"/>
-          </a:xfrm>
+            <a:off x="190500" y="1532698"/>
+            <a:ext cx="5734050" cy="4382328"/>
+          </a:xfrm>
+        </p:spPr>
+      </p:pic>
+      <p:sp>
+        <p:nvSpPr>
+          <p:cNvPr id="3" name="Номер слайда 2">
+            <a:extLst>
+              <a:ext uri="{FF2B5EF4-FFF2-40B4-BE49-F238E27FC236}">
+                <a16:creationId xmlns:a16="http://schemas.microsoft.com/office/drawing/2014/main" id="{0EF434D1-2E6D-D74B-ECD9-3308752857AB}"/>
+              </a:ext>
+            </a:extLst>
+          </p:cNvPr>
+          <p:cNvSpPr>
+            <a:spLocks noGrp="1"/>
+          </p:cNvSpPr>
+          <p:nvPr>
+            <p:ph type="sldNum" sz="quarter" idx="12"/>
+          </p:nvPr>
+        </p:nvSpPr>
+        <p:spPr/>
+        <p:txBody>
+          <a:bodyPr/>
+          <a:lstStyle/>
+          <a:p>
+            <a:fld id="{79EE2C7C-8628-4E3E-A850-CDF68DCCEEEA}" type="slidenum">
+              <a:rPr lang="ru-RU" smtClean="0"/>
+              <a:t>15</a:t>
+            </a:fld>
+            <a:r>
+              <a:rPr lang="en-US" dirty="0"/>
+              <a:t>/17</a:t>
+            </a:r>
+            <a:endParaRPr lang="ru-RU" dirty="0"/>
+          </a:p>
+        </p:txBody>
+      </p:sp>
+      <p:pic>
+        <p:nvPicPr>
+          <p:cNvPr id="8" name="Рисунок 7">
+            <a:extLst>
+              <a:ext uri="{FF2B5EF4-FFF2-40B4-BE49-F238E27FC236}">
+                <a16:creationId xmlns:a16="http://schemas.microsoft.com/office/drawing/2014/main" id="{11421822-F216-7932-DC80-0940DCFFE723}"/>
+              </a:ext>
+            </a:extLst>
+          </p:cNvPr>
+          <p:cNvPicPr>
+            <a:picLocks noChangeAspect="1"/>
+          </p:cNvPicPr>
+          <p:nvPr/>
+        </p:nvPicPr>
+        <p:blipFill>
+          <a:blip r:embed="rId3"/>
+          <a:stretch>
+            <a:fillRect/>
+          </a:stretch>
+        </p:blipFill>
+        <p:spPr>
+          <a:xfrm>
+            <a:off x="6096001" y="1532698"/>
+            <a:ext cx="5905500" cy="4382328"/>
+          </a:xfrm>
+          <a:prstGeom prst="rect">
+            <a:avLst/>
+          </a:prstGeom>
         </p:spPr>
       </p:pic>
     </p:spTree>
@@ -4758,8 +5388,8 @@
         </p:nvSpPr>
         <p:spPr>
           <a:xfrm>
-            <a:off x="768743" y="404602"/>
-            <a:ext cx="5251057" cy="5772361"/>
+            <a:off x="333375" y="404602"/>
+            <a:ext cx="4659411" cy="5772361"/>
           </a:xfrm>
         </p:spPr>
         <p:txBody>
@@ -4800,8 +5430,8 @@
         </p:nvSpPr>
         <p:spPr>
           <a:xfrm>
-            <a:off x="6172200" y="404602"/>
-            <a:ext cx="5181600" cy="5772361"/>
+            <a:off x="5467350" y="404602"/>
+            <a:ext cx="5886450" cy="5772361"/>
           </a:xfrm>
         </p:spPr>
         <p:txBody>
@@ -4846,8 +5476,8 @@
         </p:blipFill>
         <p:spPr>
           <a:xfrm>
-            <a:off x="838200" y="2032718"/>
-            <a:ext cx="4154586" cy="3664075"/>
+            <a:off x="333375" y="2032718"/>
+            <a:ext cx="5133975" cy="3664075"/>
           </a:xfrm>
           <a:prstGeom prst="rect">
             <a:avLst/>
@@ -4876,14 +5506,47 @@
         </p:blipFill>
         <p:spPr>
           <a:xfrm>
-            <a:off x="6019800" y="1757620"/>
-            <a:ext cx="5792747" cy="3066324"/>
+            <a:off x="5610225" y="1195644"/>
+            <a:ext cx="6457950" cy="3557331"/>
           </a:xfrm>
           <a:prstGeom prst="rect">
             <a:avLst/>
           </a:prstGeom>
         </p:spPr>
       </p:pic>
+      <p:sp>
+        <p:nvSpPr>
+          <p:cNvPr id="2" name="Номер слайда 1">
+            <a:extLst>
+              <a:ext uri="{FF2B5EF4-FFF2-40B4-BE49-F238E27FC236}">
+                <a16:creationId xmlns:a16="http://schemas.microsoft.com/office/drawing/2014/main" id="{D4F00ED7-0709-5E26-5188-D7BD1603CE99}"/>
+              </a:ext>
+            </a:extLst>
+          </p:cNvPr>
+          <p:cNvSpPr>
+            <a:spLocks noGrp="1"/>
+          </p:cNvSpPr>
+          <p:nvPr>
+            <p:ph type="sldNum" sz="quarter" idx="12"/>
+          </p:nvPr>
+        </p:nvSpPr>
+        <p:spPr/>
+        <p:txBody>
+          <a:bodyPr/>
+          <a:lstStyle/>
+          <a:p>
+            <a:fld id="{79EE2C7C-8628-4E3E-A850-CDF68DCCEEEA}" type="slidenum">
+              <a:rPr lang="ru-RU" smtClean="0"/>
+              <a:t>16</a:t>
+            </a:fld>
+            <a:r>
+              <a:rPr lang="en-US" dirty="0"/>
+              <a:t>/17</a:t>
+            </a:r>
+            <a:endParaRPr lang="ru-RU" dirty="0"/>
+          </a:p>
+        </p:txBody>
+      </p:sp>
     </p:spTree>
     <p:extLst>
       <p:ext uri="{BB962C8B-B14F-4D97-AF65-F5344CB8AC3E}">
@@ -4983,6 +5646,35 @@
           </a:p>
         </p:txBody>
       </p:sp>
+      <p:sp>
+        <p:nvSpPr>
+          <p:cNvPr id="2" name="Номер слайда 1">
+            <a:extLst>
+              <a:ext uri="{FF2B5EF4-FFF2-40B4-BE49-F238E27FC236}">
+                <a16:creationId xmlns:a16="http://schemas.microsoft.com/office/drawing/2014/main" id="{332111CD-75D9-DE47-B8FC-82A48B41CA62}"/>
+              </a:ext>
+            </a:extLst>
+          </p:cNvPr>
+          <p:cNvSpPr>
+            <a:spLocks noGrp="1"/>
+          </p:cNvSpPr>
+          <p:nvPr>
+            <p:ph type="sldNum" sz="quarter" idx="12"/>
+          </p:nvPr>
+        </p:nvSpPr>
+        <p:spPr/>
+        <p:txBody>
+          <a:bodyPr/>
+          <a:lstStyle/>
+          <a:p>
+            <a:fld id="{79EE2C7C-8628-4E3E-A850-CDF68DCCEEEA}" type="slidenum">
+              <a:rPr lang="ru-RU" smtClean="0"/>
+              <a:t>17</a:t>
+            </a:fld>
+            <a:endParaRPr lang="ru-RU"/>
+          </a:p>
+        </p:txBody>
+      </p:sp>
     </p:spTree>
     <p:extLst>
       <p:ext uri="{BB962C8B-B14F-4D97-AF65-F5344CB8AC3E}">
@@ -5152,7 +5844,7 @@
             </a:fld>
             <a:r>
               <a:rPr lang="en-US" dirty="0"/>
-              <a:t>/18</a:t>
+              <a:t>/17</a:t>
             </a:r>
             <a:endParaRPr lang="ru-RU" dirty="0"/>
           </a:p>
@@ -5247,16 +5939,18 @@
         </p:nvSpPr>
         <p:spPr>
           <a:xfrm>
-            <a:off x="838200" y="1825625"/>
-            <a:ext cx="10515600" cy="1886296"/>
-          </a:xfrm>
-        </p:spPr>
-        <p:txBody>
-          <a:bodyPr/>
-          <a:lstStyle/>
-          <a:p>
-            <a:r>
-              <a:rPr lang="ru-RU" sz="2400" dirty="0">
+            <a:off x="834639" y="1979373"/>
+            <a:ext cx="10515600" cy="2681639"/>
+          </a:xfrm>
+        </p:spPr>
+        <p:txBody>
+          <a:bodyPr>
+            <a:normAutofit fontScale="85000" lnSpcReduction="10000"/>
+          </a:bodyPr>
+          <a:lstStyle/>
+          <a:p>
+            <a:r>
+              <a:rPr lang="ru-RU" sz="3300" dirty="0">
                 <a:solidFill>
                   <a:srgbClr val="000000"/>
                 </a:solidFill>
@@ -5269,7 +5963,7 @@
           </a:p>
           <a:p>
             <a:r>
-              <a:rPr lang="ru-RU" sz="2400" dirty="0">
+              <a:rPr lang="ru-RU" sz="3300" dirty="0">
                 <a:solidFill>
                   <a:srgbClr val="000000"/>
                 </a:solidFill>
@@ -5279,7 +5973,7 @@
               </a:rPr>
               <a:t>Встроенная в приложение, не требует дополнительной установки</a:t>
             </a:r>
-            <a:endParaRPr lang="ru-RU" sz="2400" dirty="0">
+            <a:endParaRPr lang="ru-RU" sz="3300" dirty="0">
               <a:solidFill>
                 <a:srgbClr val="000000"/>
               </a:solidFill>
@@ -5289,7 +5983,7 @@
           </a:p>
           <a:p>
             <a:r>
-              <a:rPr lang="ru-RU" sz="2400" dirty="0">
+              <a:rPr lang="ru-RU" sz="3300" dirty="0">
                 <a:solidFill>
                   <a:srgbClr val="000000"/>
                 </a:solidFill>
@@ -5302,7 +5996,7 @@
           </a:p>
           <a:p>
             <a:r>
-              <a:rPr lang="ru-RU" sz="2400" dirty="0">
+              <a:rPr lang="ru-RU" sz="3300" dirty="0">
                 <a:solidFill>
                   <a:srgbClr val="000000"/>
                 </a:solidFill>
@@ -5332,8 +6026,8 @@
         </p:nvSpPr>
         <p:spPr>
           <a:xfrm>
-            <a:off x="838200" y="4273237"/>
-            <a:ext cx="10207027" cy="830997"/>
+            <a:off x="834639" y="4977244"/>
+            <a:ext cx="10515600" cy="830997"/>
           </a:xfrm>
           <a:prstGeom prst="rect">
             <a:avLst/>
@@ -5362,7 +6056,47 @@
               </a:rPr>
               <a:t> будет лучшим вариантом для курсовой работы, так как легко интегрируется с C# и требует меньше настроек</a:t>
             </a:r>
+            <a:r>
+              <a:rPr lang="en-US" sz="2400" dirty="0">
+                <a:latin typeface="Times New Roman" panose="02020603050405020304" pitchFamily="18" charset="0"/>
+                <a:ea typeface="Calibri" panose="020F0502020204030204" pitchFamily="34" charset="0"/>
+              </a:rPr>
+              <a:t>.</a:t>
+            </a:r>
             <a:endParaRPr lang="ru-RU" sz="2400" dirty="0"/>
+          </a:p>
+        </p:txBody>
+      </p:sp>
+      <p:sp>
+        <p:nvSpPr>
+          <p:cNvPr id="4" name="Номер слайда 3">
+            <a:extLst>
+              <a:ext uri="{FF2B5EF4-FFF2-40B4-BE49-F238E27FC236}">
+                <a16:creationId xmlns:a16="http://schemas.microsoft.com/office/drawing/2014/main" id="{4FC1AA09-FCD8-7B32-3DE1-E2F92B691B3F}"/>
+              </a:ext>
+            </a:extLst>
+          </p:cNvPr>
+          <p:cNvSpPr>
+            <a:spLocks noGrp="1"/>
+          </p:cNvSpPr>
+          <p:nvPr>
+            <p:ph type="sldNum" sz="quarter" idx="12"/>
+          </p:nvPr>
+        </p:nvSpPr>
+        <p:spPr/>
+        <p:txBody>
+          <a:bodyPr/>
+          <a:lstStyle/>
+          <a:p>
+            <a:fld id="{79EE2C7C-8628-4E3E-A850-CDF68DCCEEEA}" type="slidenum">
+              <a:rPr lang="ru-RU" smtClean="0"/>
+              <a:t>3</a:t>
+            </a:fld>
+            <a:r>
+              <a:rPr lang="en-US" dirty="0"/>
+              <a:t>/17</a:t>
+            </a:r>
+            <a:endParaRPr lang="ru-RU" dirty="0"/>
           </a:p>
         </p:txBody>
       </p:sp>
@@ -5462,7 +6196,9 @@
           </a:xfrm>
         </p:spPr>
         <p:txBody>
-          <a:bodyPr/>
+          <a:bodyPr>
+            <a:normAutofit/>
+          </a:bodyPr>
           <a:lstStyle/>
           <a:p>
             <a:r>
@@ -5506,8 +6242,8 @@
         </p:nvSpPr>
         <p:spPr>
           <a:xfrm>
-            <a:off x="838200" y="4553893"/>
-            <a:ext cx="10596327" cy="830997"/>
+            <a:off x="902936" y="4834774"/>
+            <a:ext cx="10596327" cy="1384995"/>
           </a:xfrm>
           <a:prstGeom prst="rect">
             <a:avLst/>
@@ -5521,25 +6257,58 @@
           <a:lstStyle/>
           <a:p>
             <a:r>
-              <a:rPr lang="ru-RU" sz="2400" dirty="0"/>
+              <a:rPr lang="ru-RU" sz="2800" dirty="0"/>
               <a:t>Я выбрал для своей курсовой </a:t>
             </a:r>
             <a:r>
-              <a:rPr lang="en-US" sz="2400" dirty="0"/>
+              <a:rPr lang="en-US" sz="2800" dirty="0"/>
               <a:t>Visual Studio, </a:t>
             </a:r>
             <a:r>
-              <a:rPr lang="ru-RU" sz="2400" dirty="0"/>
+              <a:rPr lang="ru-RU" sz="2800" dirty="0"/>
               <a:t>так как эта среда имеет знакомый и удобный интерфейс, а так же отлично интегрируется с </a:t>
             </a:r>
             <a:r>
-              <a:rPr lang="en-US" sz="2400" dirty="0"/>
+              <a:rPr lang="en-US" sz="2800" dirty="0"/>
               <a:t>SQLite</a:t>
             </a:r>
             <a:r>
-              <a:rPr lang="ru-RU" sz="2400" dirty="0"/>
+              <a:rPr lang="ru-RU" sz="2800" dirty="0"/>
               <a:t>.</a:t>
             </a:r>
+          </a:p>
+        </p:txBody>
+      </p:sp>
+      <p:sp>
+        <p:nvSpPr>
+          <p:cNvPr id="4" name="Номер слайда 3">
+            <a:extLst>
+              <a:ext uri="{FF2B5EF4-FFF2-40B4-BE49-F238E27FC236}">
+                <a16:creationId xmlns:a16="http://schemas.microsoft.com/office/drawing/2014/main" id="{74D7EAAC-19A1-BAAB-9D26-EA4ABF16E775}"/>
+              </a:ext>
+            </a:extLst>
+          </p:cNvPr>
+          <p:cNvSpPr>
+            <a:spLocks noGrp="1"/>
+          </p:cNvSpPr>
+          <p:nvPr>
+            <p:ph type="sldNum" sz="quarter" idx="12"/>
+          </p:nvPr>
+        </p:nvSpPr>
+        <p:spPr/>
+        <p:txBody>
+          <a:bodyPr/>
+          <a:lstStyle/>
+          <a:p>
+            <a:fld id="{79EE2C7C-8628-4E3E-A850-CDF68DCCEEEA}" type="slidenum">
+              <a:rPr lang="ru-RU" smtClean="0"/>
+              <a:t>4</a:t>
+            </a:fld>
+            <a:r>
+              <a:rPr lang="en-US" dirty="0"/>
+              <a:t>/17</a:t>
+            </a:r>
+            <a:endParaRPr lang="ru-RU" dirty="0"/>
           </a:p>
         </p:txBody>
       </p:sp>
@@ -5627,8 +6396,8 @@
         </p:blipFill>
         <p:spPr>
           <a:xfrm>
-            <a:off x="1084718" y="1717770"/>
-            <a:ext cx="3062476" cy="3040834"/>
+            <a:off x="914400" y="1717769"/>
+            <a:ext cx="4531539" cy="3647250"/>
           </a:xfrm>
         </p:spPr>
       </p:pic>
@@ -5656,8 +6425,8 @@
         </p:blipFill>
         <p:spPr>
           <a:xfrm>
-            <a:off x="5652097" y="1663606"/>
-            <a:ext cx="3129764" cy="3094998"/>
+            <a:off x="6354251" y="1665571"/>
+            <a:ext cx="4651499" cy="3718481"/>
           </a:xfrm>
         </p:spPr>
       </p:pic>
@@ -5675,7 +6444,7 @@
         </p:nvSpPr>
         <p:spPr>
           <a:xfrm>
-            <a:off x="1098440" y="4785686"/>
+            <a:off x="1530266" y="5384052"/>
             <a:ext cx="3048754" cy="369332"/>
           </a:xfrm>
           <a:prstGeom prst="rect">
@@ -5689,6 +6458,7 @@
           </a:bodyPr>
           <a:lstStyle/>
           <a:p>
+            <a:pPr algn="ctr"/>
             <a:r>
               <a:rPr lang="ru-RU" dirty="0"/>
               <a:t>Управление-</a:t>
@@ -5715,7 +6485,7 @@
         </p:nvSpPr>
         <p:spPr>
           <a:xfrm>
-            <a:off x="5528650" y="4836605"/>
+            <a:off x="5739257" y="5366373"/>
             <a:ext cx="6096000" cy="348813"/>
           </a:xfrm>
           <a:prstGeom prst="rect">
@@ -5729,7 +6499,7 @@
           </a:bodyPr>
           <a:lstStyle/>
           <a:p>
-            <a:pPr algn="l">
+            <a:pPr algn="ctr">
               <a:lnSpc>
                 <a:spcPts val="2025"/>
               </a:lnSpc>
@@ -5747,6 +6517,39 @@
               </a:rPr>
               <a:t>Матрица. Обмен с ГИС Меркурий</a:t>
             </a:r>
+          </a:p>
+        </p:txBody>
+      </p:sp>
+      <p:sp>
+        <p:nvSpPr>
+          <p:cNvPr id="3" name="Номер слайда 2">
+            <a:extLst>
+              <a:ext uri="{FF2B5EF4-FFF2-40B4-BE49-F238E27FC236}">
+                <a16:creationId xmlns:a16="http://schemas.microsoft.com/office/drawing/2014/main" id="{A4A09F85-D780-1994-1E15-89F4C5475083}"/>
+              </a:ext>
+            </a:extLst>
+          </p:cNvPr>
+          <p:cNvSpPr>
+            <a:spLocks noGrp="1"/>
+          </p:cNvSpPr>
+          <p:nvPr>
+            <p:ph type="sldNum" sz="quarter" idx="12"/>
+          </p:nvPr>
+        </p:nvSpPr>
+        <p:spPr/>
+        <p:txBody>
+          <a:bodyPr/>
+          <a:lstStyle/>
+          <a:p>
+            <a:fld id="{79EE2C7C-8628-4E3E-A850-CDF68DCCEEEA}" type="slidenum">
+              <a:rPr lang="ru-RU" smtClean="0"/>
+              <a:t>5</a:t>
+            </a:fld>
+            <a:r>
+              <a:rPr lang="en-US" dirty="0"/>
+              <a:t>/17</a:t>
+            </a:r>
+            <a:endParaRPr lang="ru-RU" dirty="0"/>
           </a:p>
         </p:txBody>
       </p:sp>
@@ -5844,8 +6647,8 @@
         </p:blipFill>
         <p:spPr bwMode="auto">
           <a:xfrm>
-            <a:off x="838200" y="1352550"/>
-            <a:ext cx="10353675" cy="5140325"/>
+            <a:off x="461246" y="1295906"/>
+            <a:ext cx="10827143" cy="5140325"/>
           </a:xfrm>
           <a:prstGeom prst="rect">
             <a:avLst/>
@@ -5856,6 +6659,39 @@
           </a:ln>
         </p:spPr>
       </p:pic>
+      <p:sp>
+        <p:nvSpPr>
+          <p:cNvPr id="3" name="Номер слайда 2">
+            <a:extLst>
+              <a:ext uri="{FF2B5EF4-FFF2-40B4-BE49-F238E27FC236}">
+                <a16:creationId xmlns:a16="http://schemas.microsoft.com/office/drawing/2014/main" id="{3827829C-0D6A-AA39-62CB-A73190BB2A32}"/>
+              </a:ext>
+            </a:extLst>
+          </p:cNvPr>
+          <p:cNvSpPr>
+            <a:spLocks noGrp="1"/>
+          </p:cNvSpPr>
+          <p:nvPr>
+            <p:ph type="sldNum" sz="quarter" idx="12"/>
+          </p:nvPr>
+        </p:nvSpPr>
+        <p:spPr/>
+        <p:txBody>
+          <a:bodyPr/>
+          <a:lstStyle/>
+          <a:p>
+            <a:fld id="{79EE2C7C-8628-4E3E-A850-CDF68DCCEEEA}" type="slidenum">
+              <a:rPr lang="ru-RU" smtClean="0"/>
+              <a:t>6</a:t>
+            </a:fld>
+            <a:r>
+              <a:rPr lang="en-US" dirty="0"/>
+              <a:t>/17</a:t>
+            </a:r>
+            <a:endParaRPr lang="ru-RU" dirty="0"/>
+          </a:p>
+        </p:txBody>
+      </p:sp>
     </p:spTree>
     <p:extLst>
       <p:ext uri="{BB962C8B-B14F-4D97-AF65-F5344CB8AC3E}">
@@ -5938,14 +6774,47 @@
         </p:blipFill>
         <p:spPr>
           <a:xfrm>
-            <a:off x="1517931" y="1280958"/>
-            <a:ext cx="8629651" cy="5464176"/>
+            <a:off x="838200" y="1257299"/>
+            <a:ext cx="9831823" cy="5464176"/>
           </a:xfrm>
           <a:prstGeom prst="rect">
             <a:avLst/>
           </a:prstGeom>
         </p:spPr>
       </p:pic>
+      <p:sp>
+        <p:nvSpPr>
+          <p:cNvPr id="2" name="Номер слайда 1">
+            <a:extLst>
+              <a:ext uri="{FF2B5EF4-FFF2-40B4-BE49-F238E27FC236}">
+                <a16:creationId xmlns:a16="http://schemas.microsoft.com/office/drawing/2014/main" id="{0C7B0091-7297-5214-A246-C77D13BD5A3C}"/>
+              </a:ext>
+            </a:extLst>
+          </p:cNvPr>
+          <p:cNvSpPr>
+            <a:spLocks noGrp="1"/>
+          </p:cNvSpPr>
+          <p:nvPr>
+            <p:ph type="sldNum" sz="quarter" idx="12"/>
+          </p:nvPr>
+        </p:nvSpPr>
+        <p:spPr/>
+        <p:txBody>
+          <a:bodyPr/>
+          <a:lstStyle/>
+          <a:p>
+            <a:fld id="{79EE2C7C-8628-4E3E-A850-CDF68DCCEEEA}" type="slidenum">
+              <a:rPr lang="ru-RU" smtClean="0"/>
+              <a:t>7</a:t>
+            </a:fld>
+            <a:r>
+              <a:rPr lang="en-US" dirty="0"/>
+              <a:t>/17</a:t>
+            </a:r>
+            <a:endParaRPr lang="ru-RU" dirty="0"/>
+          </a:p>
+        </p:txBody>
+      </p:sp>
     </p:spTree>
     <p:extLst>
       <p:ext uri="{BB962C8B-B14F-4D97-AF65-F5344CB8AC3E}">
@@ -5995,7 +6864,7 @@
         <p:spPr>
           <a:xfrm>
             <a:off x="839788" y="457200"/>
-            <a:ext cx="8288028" cy="1161207"/>
+            <a:ext cx="8288028" cy="1031735"/>
           </a:xfrm>
         </p:spPr>
         <p:txBody>
@@ -6035,8 +6904,8 @@
         </p:nvSpPr>
         <p:spPr>
           <a:xfrm>
-            <a:off x="5373112" y="1124793"/>
-            <a:ext cx="5982276" cy="4736257"/>
+            <a:off x="5373112" y="979139"/>
+            <a:ext cx="5982276" cy="4895680"/>
           </a:xfrm>
         </p:spPr>
         <p:txBody>
@@ -6386,14 +7255,47 @@
         </p:blipFill>
         <p:spPr>
           <a:xfrm>
-            <a:off x="5373112" y="1618407"/>
-            <a:ext cx="5822986" cy="2489381"/>
+            <a:off x="4900859" y="2031915"/>
+            <a:ext cx="6797308" cy="4068663"/>
           </a:xfrm>
           <a:prstGeom prst="rect">
             <a:avLst/>
           </a:prstGeom>
         </p:spPr>
       </p:pic>
+      <p:sp>
+        <p:nvSpPr>
+          <p:cNvPr id="3" name="Номер слайда 2">
+            <a:extLst>
+              <a:ext uri="{FF2B5EF4-FFF2-40B4-BE49-F238E27FC236}">
+                <a16:creationId xmlns:a16="http://schemas.microsoft.com/office/drawing/2014/main" id="{0252D193-BCDC-0A78-F7DB-BD5229C18E26}"/>
+              </a:ext>
+            </a:extLst>
+          </p:cNvPr>
+          <p:cNvSpPr>
+            <a:spLocks noGrp="1"/>
+          </p:cNvSpPr>
+          <p:nvPr>
+            <p:ph type="sldNum" sz="quarter" idx="12"/>
+          </p:nvPr>
+        </p:nvSpPr>
+        <p:spPr/>
+        <p:txBody>
+          <a:bodyPr/>
+          <a:lstStyle/>
+          <a:p>
+            <a:fld id="{79EE2C7C-8628-4E3E-A850-CDF68DCCEEEA}" type="slidenum">
+              <a:rPr lang="ru-RU" smtClean="0"/>
+              <a:t>8</a:t>
+            </a:fld>
+            <a:r>
+              <a:rPr lang="en-US" dirty="0"/>
+              <a:t>/17</a:t>
+            </a:r>
+            <a:endParaRPr lang="ru-RU" dirty="0"/>
+          </a:p>
+        </p:txBody>
+      </p:sp>
     </p:spTree>
     <p:extLst>
       <p:ext uri="{BB962C8B-B14F-4D97-AF65-F5344CB8AC3E}">
@@ -6475,8 +7377,8 @@
         </p:nvSpPr>
         <p:spPr>
           <a:xfrm>
-            <a:off x="838200" y="1246174"/>
-            <a:ext cx="5181600" cy="4930789"/>
+            <a:off x="550258" y="1246174"/>
+            <a:ext cx="5148099" cy="5110176"/>
           </a:xfrm>
         </p:spPr>
         <p:txBody>
@@ -6585,8 +7487,8 @@
         </p:nvSpPr>
         <p:spPr>
           <a:xfrm>
-            <a:off x="6172200" y="1246174"/>
-            <a:ext cx="5181600" cy="4930789"/>
+            <a:off x="5124456" y="1666959"/>
+            <a:ext cx="6229344" cy="4510004"/>
           </a:xfrm>
         </p:spPr>
         <p:txBody>
@@ -6614,12 +7516,45 @@
           </a:p>
         </p:txBody>
       </p:sp>
+      <p:sp>
+        <p:nvSpPr>
+          <p:cNvPr id="5" name="Номер слайда 4">
+            <a:extLst>
+              <a:ext uri="{FF2B5EF4-FFF2-40B4-BE49-F238E27FC236}">
+                <a16:creationId xmlns:a16="http://schemas.microsoft.com/office/drawing/2014/main" id="{CCE8A63B-AA8D-B04D-C976-2856C18CDAD6}"/>
+              </a:ext>
+            </a:extLst>
+          </p:cNvPr>
+          <p:cNvSpPr>
+            <a:spLocks noGrp="1"/>
+          </p:cNvSpPr>
+          <p:nvPr>
+            <p:ph type="sldNum" sz="quarter" idx="12"/>
+          </p:nvPr>
+        </p:nvSpPr>
+        <p:spPr/>
+        <p:txBody>
+          <a:bodyPr/>
+          <a:lstStyle/>
+          <a:p>
+            <a:fld id="{79EE2C7C-8628-4E3E-A850-CDF68DCCEEEA}" type="slidenum">
+              <a:rPr lang="ru-RU" smtClean="0"/>
+              <a:t>9</a:t>
+            </a:fld>
+            <a:r>
+              <a:rPr lang="en-US" dirty="0"/>
+              <a:t>/17</a:t>
+            </a:r>
+            <a:endParaRPr lang="ru-RU" dirty="0"/>
+          </a:p>
+        </p:txBody>
+      </p:sp>
       <p:pic>
         <p:nvPicPr>
-          <p:cNvPr id="6" name="Рисунок 5">
-            <a:extLst>
-              <a:ext uri="{FF2B5EF4-FFF2-40B4-BE49-F238E27FC236}">
-                <a16:creationId xmlns:a16="http://schemas.microsoft.com/office/drawing/2014/main" id="{8A61E100-5405-FA3A-2353-854C7636AB8E}"/>
+          <p:cNvPr id="10" name="Рисунок 9">
+            <a:extLst>
+              <a:ext uri="{FF2B5EF4-FFF2-40B4-BE49-F238E27FC236}">
+                <a16:creationId xmlns:a16="http://schemas.microsoft.com/office/drawing/2014/main" id="{44BA2A63-D742-9236-0175-C22EF30141E8}"/>
               </a:ext>
             </a:extLst>
           </p:cNvPr>
@@ -6636,8 +7571,8 @@
         </p:blipFill>
         <p:spPr>
           <a:xfrm>
-            <a:off x="5698357" y="1884759"/>
-            <a:ext cx="6372047" cy="1544241"/>
+            <a:off x="5124456" y="2127222"/>
+            <a:ext cx="6940769" cy="3076924"/>
           </a:xfrm>
           <a:prstGeom prst="rect">
             <a:avLst/>
@@ -6970,4 +7905,319 @@
     </a:ext>
   </a:extLst>
 </a:theme>
+</file>
+
+<file path=ppt/theme/theme2.xml><?xml version="1.0" encoding="utf-8"?>
+<a:theme xmlns:a="http://schemas.openxmlformats.org/drawingml/2006/main" name="Тема Office">
+  <a:themeElements>
+    <a:clrScheme name="Стандартная">
+      <a:dk1>
+        <a:sysClr val="windowText" lastClr="000000"/>
+      </a:dk1>
+      <a:lt1>
+        <a:sysClr val="window" lastClr="FFFFFF"/>
+      </a:lt1>
+      <a:dk2>
+        <a:srgbClr val="0E2841"/>
+      </a:dk2>
+      <a:lt2>
+        <a:srgbClr val="E8E8E8"/>
+      </a:lt2>
+      <a:accent1>
+        <a:srgbClr val="156082"/>
+      </a:accent1>
+      <a:accent2>
+        <a:srgbClr val="E97132"/>
+      </a:accent2>
+      <a:accent3>
+        <a:srgbClr val="196B24"/>
+      </a:accent3>
+      <a:accent4>
+        <a:srgbClr val="0F9ED5"/>
+      </a:accent4>
+      <a:accent5>
+        <a:srgbClr val="A02B93"/>
+      </a:accent5>
+      <a:accent6>
+        <a:srgbClr val="4EA72E"/>
+      </a:accent6>
+      <a:hlink>
+        <a:srgbClr val="467886"/>
+      </a:hlink>
+      <a:folHlink>
+        <a:srgbClr val="96607D"/>
+      </a:folHlink>
+    </a:clrScheme>
+    <a:fontScheme name="Стандартная">
+      <a:majorFont>
+        <a:latin typeface="Aptos Display" panose="02110004020202020204"/>
+        <a:ea typeface=""/>
+        <a:cs typeface=""/>
+        <a:font script="Jpan" typeface="游ゴシック Light"/>
+        <a:font script="Hang" typeface="맑은 고딕"/>
+        <a:font script="Hans" typeface="等线 Light"/>
+        <a:font script="Hant" typeface="新細明體"/>
+        <a:font script="Arab" typeface="Times New Roman"/>
+        <a:font script="Hebr" typeface="Times New Roman"/>
+        <a:font script="Thai" typeface="Angsana New"/>
+        <a:font script="Ethi" typeface="Nyala"/>
+        <a:font script="Beng" typeface="Vrinda"/>
+        <a:font script="Gujr" typeface="Shruti"/>
+        <a:font script="Khmr" typeface="MoolBoran"/>
+        <a:font script="Knda" typeface="Tunga"/>
+        <a:font script="Guru" typeface="Raavi"/>
+        <a:font script="Cans" typeface="Euphemia"/>
+        <a:font script="Cher" typeface="Plantagenet Cherokee"/>
+        <a:font script="Yiii" typeface="Microsoft Yi Baiti"/>
+        <a:font script="Tibt" typeface="Microsoft Himalaya"/>
+        <a:font script="Thaa" typeface="MV Boli"/>
+        <a:font script="Deva" typeface="Mangal"/>
+        <a:font script="Telu" typeface="Gautami"/>
+        <a:font script="Taml" typeface="Latha"/>
+        <a:font script="Syrc" typeface="Estrangelo Edessa"/>
+        <a:font script="Orya" typeface="Kalinga"/>
+        <a:font script="Mlym" typeface="Kartika"/>
+        <a:font script="Laoo" typeface="DokChampa"/>
+        <a:font script="Sinh" typeface="Iskoola Pota"/>
+        <a:font script="Mong" typeface="Mongolian Baiti"/>
+        <a:font script="Viet" typeface="Times New Roman"/>
+        <a:font script="Uigh" typeface="Microsoft Uighur"/>
+        <a:font script="Geor" typeface="Sylfaen"/>
+        <a:font script="Armn" typeface="Arial"/>
+        <a:font script="Bugi" typeface="Leelawadee UI"/>
+        <a:font script="Bopo" typeface="Microsoft JhengHei"/>
+        <a:font script="Java" typeface="Javanese Text"/>
+        <a:font script="Lisu" typeface="Segoe UI"/>
+        <a:font script="Mymr" typeface="Myanmar Text"/>
+        <a:font script="Nkoo" typeface="Ebrima"/>
+        <a:font script="Olck" typeface="Nirmala UI"/>
+        <a:font script="Osma" typeface="Ebrima"/>
+        <a:font script="Phag" typeface="Phagspa"/>
+        <a:font script="Syrn" typeface="Estrangelo Edessa"/>
+        <a:font script="Syrj" typeface="Estrangelo Edessa"/>
+        <a:font script="Syre" typeface="Estrangelo Edessa"/>
+        <a:font script="Sora" typeface="Nirmala UI"/>
+        <a:font script="Tale" typeface="Microsoft Tai Le"/>
+        <a:font script="Talu" typeface="Microsoft New Tai Lue"/>
+        <a:font script="Tfng" typeface="Ebrima"/>
+      </a:majorFont>
+      <a:minorFont>
+        <a:latin typeface="Aptos" panose="02110004020202020204"/>
+        <a:ea typeface=""/>
+        <a:cs typeface=""/>
+        <a:font script="Jpan" typeface="游ゴシック"/>
+        <a:font script="Hang" typeface="맑은 고딕"/>
+        <a:font script="Hans" typeface="等线"/>
+        <a:font script="Hant" typeface="新細明體"/>
+        <a:font script="Arab" typeface="Arial"/>
+        <a:font script="Hebr" typeface="Arial"/>
+        <a:font script="Thai" typeface="Cordia New"/>
+        <a:font script="Ethi" typeface="Nyala"/>
+        <a:font script="Beng" typeface="Vrinda"/>
+        <a:font script="Gujr" typeface="Shruti"/>
+        <a:font script="Khmr" typeface="DaunPenh"/>
+        <a:font script="Knda" typeface="Tunga"/>
+        <a:font script="Guru" typeface="Raavi"/>
+        <a:font script="Cans" typeface="Euphemia"/>
+        <a:font script="Cher" typeface="Plantagenet Cherokee"/>
+        <a:font script="Yiii" typeface="Microsoft Yi Baiti"/>
+        <a:font script="Tibt" typeface="Microsoft Himalaya"/>
+        <a:font script="Thaa" typeface="MV Boli"/>
+        <a:font script="Deva" typeface="Mangal"/>
+        <a:font script="Telu" typeface="Gautami"/>
+        <a:font script="Taml" typeface="Latha"/>
+        <a:font script="Syrc" typeface="Estrangelo Edessa"/>
+        <a:font script="Orya" typeface="Kalinga"/>
+        <a:font script="Mlym" typeface="Kartika"/>
+        <a:font script="Laoo" typeface="DokChampa"/>
+        <a:font script="Sinh" typeface="Iskoola Pota"/>
+        <a:font script="Mong" typeface="Mongolian Baiti"/>
+        <a:font script="Viet" typeface="Arial"/>
+        <a:font script="Uigh" typeface="Microsoft Uighur"/>
+        <a:font script="Geor" typeface="Sylfaen"/>
+        <a:font script="Armn" typeface="Arial"/>
+        <a:font script="Bugi" typeface="Leelawadee UI"/>
+        <a:font script="Bopo" typeface="Microsoft JhengHei"/>
+        <a:font script="Java" typeface="Javanese Text"/>
+        <a:font script="Lisu" typeface="Segoe UI"/>
+        <a:font script="Mymr" typeface="Myanmar Text"/>
+        <a:font script="Nkoo" typeface="Ebrima"/>
+        <a:font script="Olck" typeface="Nirmala UI"/>
+        <a:font script="Osma" typeface="Ebrima"/>
+        <a:font script="Phag" typeface="Phagspa"/>
+        <a:font script="Syrn" typeface="Estrangelo Edessa"/>
+        <a:font script="Syrj" typeface="Estrangelo Edessa"/>
+        <a:font script="Syre" typeface="Estrangelo Edessa"/>
+        <a:font script="Sora" typeface="Nirmala UI"/>
+        <a:font script="Tale" typeface="Microsoft Tai Le"/>
+        <a:font script="Talu" typeface="Microsoft New Tai Lue"/>
+        <a:font script="Tfng" typeface="Ebrima"/>
+      </a:minorFont>
+    </a:fontScheme>
+    <a:fmtScheme name="Стандартная">
+      <a:fillStyleLst>
+        <a:solidFill>
+          <a:schemeClr val="phClr"/>
+        </a:solidFill>
+        <a:gradFill rotWithShape="1">
+          <a:gsLst>
+            <a:gs pos="0">
+              <a:schemeClr val="phClr">
+                <a:lumMod val="110000"/>
+                <a:satMod val="105000"/>
+                <a:tint val="67000"/>
+              </a:schemeClr>
+            </a:gs>
+            <a:gs pos="50000">
+              <a:schemeClr val="phClr">
+                <a:lumMod val="105000"/>
+                <a:satMod val="103000"/>
+                <a:tint val="73000"/>
+              </a:schemeClr>
+            </a:gs>
+            <a:gs pos="100000">
+              <a:schemeClr val="phClr">
+                <a:lumMod val="105000"/>
+                <a:satMod val="109000"/>
+                <a:tint val="81000"/>
+              </a:schemeClr>
+            </a:gs>
+          </a:gsLst>
+          <a:lin ang="5400000" scaled="0"/>
+        </a:gradFill>
+        <a:gradFill rotWithShape="1">
+          <a:gsLst>
+            <a:gs pos="0">
+              <a:schemeClr val="phClr">
+                <a:satMod val="103000"/>
+                <a:lumMod val="102000"/>
+                <a:tint val="94000"/>
+              </a:schemeClr>
+            </a:gs>
+            <a:gs pos="50000">
+              <a:schemeClr val="phClr">
+                <a:satMod val="110000"/>
+                <a:lumMod val="100000"/>
+                <a:shade val="100000"/>
+              </a:schemeClr>
+            </a:gs>
+            <a:gs pos="100000">
+              <a:schemeClr val="phClr">
+                <a:lumMod val="99000"/>
+                <a:satMod val="120000"/>
+                <a:shade val="78000"/>
+              </a:schemeClr>
+            </a:gs>
+          </a:gsLst>
+          <a:lin ang="5400000" scaled="0"/>
+        </a:gradFill>
+      </a:fillStyleLst>
+      <a:lnStyleLst>
+        <a:ln w="12700" cap="flat" cmpd="sng" algn="ctr">
+          <a:solidFill>
+            <a:schemeClr val="phClr"/>
+          </a:solidFill>
+          <a:prstDash val="solid"/>
+          <a:miter lim="800000"/>
+        </a:ln>
+        <a:ln w="19050" cap="flat" cmpd="sng" algn="ctr">
+          <a:solidFill>
+            <a:schemeClr val="phClr"/>
+          </a:solidFill>
+          <a:prstDash val="solid"/>
+          <a:miter lim="800000"/>
+        </a:ln>
+        <a:ln w="25400" cap="flat" cmpd="sng" algn="ctr">
+          <a:solidFill>
+            <a:schemeClr val="phClr"/>
+          </a:solidFill>
+          <a:prstDash val="solid"/>
+          <a:miter lim="800000"/>
+        </a:ln>
+      </a:lnStyleLst>
+      <a:effectStyleLst>
+        <a:effectStyle>
+          <a:effectLst/>
+        </a:effectStyle>
+        <a:effectStyle>
+          <a:effectLst/>
+        </a:effectStyle>
+        <a:effectStyle>
+          <a:effectLst>
+            <a:outerShdw blurRad="57150" dist="19050" dir="5400000" algn="ctr" rotWithShape="0">
+              <a:srgbClr val="000000">
+                <a:alpha val="63000"/>
+              </a:srgbClr>
+            </a:outerShdw>
+          </a:effectLst>
+        </a:effectStyle>
+      </a:effectStyleLst>
+      <a:bgFillStyleLst>
+        <a:solidFill>
+          <a:schemeClr val="phClr"/>
+        </a:solidFill>
+        <a:solidFill>
+          <a:schemeClr val="phClr">
+            <a:tint val="95000"/>
+            <a:satMod val="170000"/>
+          </a:schemeClr>
+        </a:solidFill>
+        <a:gradFill rotWithShape="1">
+          <a:gsLst>
+            <a:gs pos="0">
+              <a:schemeClr val="phClr">
+                <a:tint val="93000"/>
+                <a:satMod val="150000"/>
+                <a:shade val="98000"/>
+                <a:lumMod val="102000"/>
+              </a:schemeClr>
+            </a:gs>
+            <a:gs pos="50000">
+              <a:schemeClr val="phClr">
+                <a:tint val="98000"/>
+                <a:satMod val="130000"/>
+                <a:shade val="90000"/>
+                <a:lumMod val="103000"/>
+              </a:schemeClr>
+            </a:gs>
+            <a:gs pos="100000">
+              <a:schemeClr val="phClr">
+                <a:shade val="63000"/>
+                <a:satMod val="120000"/>
+              </a:schemeClr>
+            </a:gs>
+          </a:gsLst>
+          <a:lin ang="5400000" scaled="0"/>
+        </a:gradFill>
+      </a:bgFillStyleLst>
+    </a:fmtScheme>
+  </a:themeElements>
+  <a:objectDefaults>
+    <a:lnDef>
+      <a:spPr/>
+      <a:bodyPr/>
+      <a:lstStyle/>
+      <a:style>
+        <a:lnRef idx="2">
+          <a:schemeClr val="accent1"/>
+        </a:lnRef>
+        <a:fillRef idx="0">
+          <a:schemeClr val="accent1"/>
+        </a:fillRef>
+        <a:effectRef idx="1">
+          <a:schemeClr val="accent1"/>
+        </a:effectRef>
+        <a:fontRef idx="minor">
+          <a:schemeClr val="tx1"/>
+        </a:fontRef>
+      </a:style>
+    </a:lnDef>
+  </a:objectDefaults>
+  <a:extraClrSchemeLst/>
+  <a:extLst>
+    <a:ext uri="{05A4C25C-085E-4340-85A3-A5531E510DB2}">
+      <thm15:themeFamily xmlns:thm15="http://schemas.microsoft.com/office/thememl/2012/main" name="Office Theme" id="{2E142A2C-CD16-42D6-873A-C26D2A0506FA}" vid="{1BDDFF52-6CD6-40A5-AB3C-68EB2F1E4D0A}"/>
+    </a:ext>
+  </a:extLst>
+</a:theme>
 </file>